--- a/spring13/slides13/expectation-linearity.pptx
+++ b/spring13/slides13/expectation-linearity.pptx
@@ -2404,11 +2404,7 @@
             </a:r>
             <a:r>
               <a:rPr lang="en-US" dirty="0" smtClean="0"/>
-              <a:t> </a:t>
-            </a:r>
-            <a:r>
-              <a:rPr lang="en-US" dirty="0" smtClean="0"/>
-              <a:t>12F.</a:t>
+              <a:t> 12F.</a:t>
             </a:r>
             <a:fld id="{FC9265C7-2444-489D-860F-86AAC4235083}" type="slidenum">
               <a:rPr lang="en-US" smtClean="0"/>
@@ -2583,11 +2579,7 @@
             </a:r>
             <a:r>
               <a:rPr lang="en-US" dirty="0" smtClean="0"/>
-              <a:t> </a:t>
-            </a:r>
-            <a:r>
-              <a:rPr lang="en-US" dirty="0" smtClean="0"/>
-              <a:t>12F.</a:t>
+              <a:t> 12F.</a:t>
             </a:r>
             <a:fld id="{7886A709-CED2-48A3-8616-B2655C008ECB}" type="slidenum">
               <a:rPr lang="en-US" smtClean="0"/>
@@ -2683,11 +2675,7 @@
             </a:r>
             <a:r>
               <a:rPr lang="en-US" dirty="0" smtClean="0"/>
-              <a:t> </a:t>
-            </a:r>
-            <a:r>
-              <a:rPr lang="en-US" dirty="0" smtClean="0"/>
-              <a:t>12F.</a:t>
+              <a:t> 12F.</a:t>
             </a:r>
             <a:fld id="{9B55653B-1858-43BF-A49A-533C730B553F}" type="slidenum">
               <a:rPr lang="en-US" smtClean="0"/>
@@ -2756,11 +2744,7 @@
             </a:r>
             <a:r>
               <a:rPr lang="en-US" dirty="0" smtClean="0"/>
-              <a:t> </a:t>
-            </a:r>
-            <a:r>
-              <a:rPr lang="en-US" dirty="0" smtClean="0"/>
-              <a:t>12F.</a:t>
+              <a:t> 12F.</a:t>
             </a:r>
             <a:fld id="{4E62291C-8AD8-4AE0-8F6D-A8437E91FB33}" type="slidenum">
               <a:rPr lang="en-US" smtClean="0"/>
@@ -2971,11 +2955,7 @@
             </a:r>
             <a:r>
               <a:rPr lang="en-US" dirty="0" smtClean="0"/>
-              <a:t> </a:t>
-            </a:r>
-            <a:r>
-              <a:rPr lang="en-US" dirty="0" smtClean="0"/>
-              <a:t>12F.</a:t>
+              <a:t> 12F.</a:t>
             </a:r>
             <a:fld id="{7886A709-CED2-48A3-8616-B2655C008ECB}" type="slidenum">
               <a:rPr lang="en-US" smtClean="0"/>
@@ -3071,37 +3051,7 @@
                 <a:uFillTx/>
                 <a:latin typeface="Comic Sans MS" pitchFamily="66" charset="0"/>
               </a:rPr>
-              <a:t>Albert R Meyer,            May </a:t>
-            </a:r>
-            <a:r>
-              <a:rPr kumimoji="0" lang="en-US" sz="1200" b="0" i="0" u="none" strike="noStrike" kern="1200" cap="none" spc="0" normalizeH="0" baseline="0" noProof="0" dirty="0" smtClean="0">
-                <a:ln>
-                  <a:noFill/>
-                </a:ln>
-                <a:solidFill>
-                  <a:schemeClr val="tx1"/>
-                </a:solidFill>
-                <a:effectLst/>
-                <a:uLnTx/>
-                <a:uFillTx/>
-                <a:latin typeface="Comic Sans MS" pitchFamily="66" charset="0"/>
-              </a:rPr>
-              <a:t>4, </a:t>
-            </a:r>
-            <a:r>
-              <a:rPr kumimoji="0" lang="en-US" sz="1200" b="0" i="0" u="none" strike="noStrike" kern="1200" cap="none" spc="0" normalizeH="0" baseline="0" noProof="0" dirty="0" smtClean="0">
-                <a:ln>
-                  <a:noFill/>
-                </a:ln>
-                <a:solidFill>
-                  <a:schemeClr val="tx1"/>
-                </a:solidFill>
-                <a:effectLst/>
-                <a:uLnTx/>
-                <a:uFillTx/>
-                <a:latin typeface="Comic Sans MS" pitchFamily="66" charset="0"/>
-              </a:rPr>
-              <a:t>2012</a:t>
+              <a:t>Albert R Meyer,            May 4, 2012</a:t>
             </a:r>
             <a:endParaRPr kumimoji="0" lang="en-US" sz="1200" b="0" i="0" u="none" strike="noStrike" kern="1200" cap="none" spc="0" normalizeH="0" baseline="0" noProof="0" dirty="0">
               <a:ln>
@@ -3726,11 +3676,7 @@
             </a:r>
             <a:r>
               <a:rPr lang="en-US" dirty="0" smtClean="0"/>
-              <a:t> </a:t>
-            </a:r>
-            <a:r>
-              <a:rPr lang="en-US" dirty="0" smtClean="0"/>
-              <a:t>12F.</a:t>
+              <a:t> 12F.</a:t>
             </a:r>
             <a:fld id="{93DA0692-DAF7-4AFE-9BE7-E02439D3694A}" type="slidenum">
               <a:rPr lang="en-US" smtClean="0"/>
@@ -4040,14 +3986,7 @@
                 <a:latin typeface="Comic Sans MS"/>
                 <a:cs typeface="Comic Sans MS"/>
               </a:rPr>
-              <a:t> </a:t>
-            </a:r>
-            <a:r>
-              <a:rPr lang="en-US" sz="1200" dirty="0" smtClean="0">
-                <a:latin typeface="Comic Sans MS"/>
-                <a:cs typeface="Comic Sans MS"/>
-              </a:rPr>
-              <a:t>12F.</a:t>
+              <a:t> 12F.</a:t>
             </a:r>
             <a:fld id="{93DA0692-DAF7-4AFE-9BE7-E02439D3694A}" type="slidenum">
               <a:rPr lang="en-US" sz="1200" smtClean="0">
@@ -4602,7 +4541,7 @@
                 </a:solidFill>
                 <a:latin typeface="Comic Sans MS" pitchFamily="66" charset="0"/>
               </a:rPr>
-              <a:t>   Pr{</a:t>
+              <a:t>   </a:t>
             </a:r>
             <a:r>
               <a:rPr lang="en-US" sz="6000" i="0" dirty="0" err="1" smtClean="0">
@@ -4610,6 +4549,24 @@
                   <a:srgbClr val="0000FF"/>
                 </a:solidFill>
                 <a:latin typeface="Comic Sans MS" pitchFamily="66" charset="0"/>
+              </a:rPr>
+              <a:t>Pr</a:t>
+            </a:r>
+            <a:r>
+              <a:rPr lang="en-US" sz="6000" i="0" dirty="0" smtClean="0">
+                <a:solidFill>
+                  <a:srgbClr val="0000FF"/>
+                </a:solidFill>
+                <a:latin typeface="Comic Sans MS" pitchFamily="66" charset="0"/>
+              </a:rPr>
+              <a:t>[</a:t>
+            </a:r>
+            <a:r>
+              <a:rPr lang="en-US" sz="6000" i="0" dirty="0" err="1" smtClean="0">
+                <a:solidFill>
+                  <a:srgbClr val="0000FF"/>
+                </a:solidFill>
+                <a:latin typeface="Comic Sans MS" pitchFamily="66" charset="0"/>
                 <a:sym typeface="Symbol" pitchFamily="18" charset="2"/>
               </a:rPr>
               <a:t>R</a:t>
@@ -4630,16 +4587,16 @@
                 </a:solidFill>
                 <a:latin typeface="Comic Sans MS" pitchFamily="66" charset="0"/>
               </a:rPr>
-              <a:t>=1</a:t>
-            </a:r>
-            <a:r>
-              <a:rPr lang="en-US" sz="6000" i="0" dirty="0">
-                <a:solidFill>
-                  <a:srgbClr val="0000FF"/>
-                </a:solidFill>
-                <a:latin typeface="Comic Sans MS" pitchFamily="66" charset="0"/>
-              </a:rPr>
-              <a:t>} </a:t>
+              <a:t>=</a:t>
+            </a:r>
+            <a:r>
+              <a:rPr lang="en-US" sz="6000" i="0" dirty="0" smtClean="0">
+                <a:solidFill>
+                  <a:srgbClr val="0000FF"/>
+                </a:solidFill>
+                <a:latin typeface="Comic Sans MS" pitchFamily="66" charset="0"/>
+              </a:rPr>
+              <a:t>1] </a:t>
             </a:r>
             <a:r>
               <a:rPr lang="en-US" sz="6000" i="0" dirty="0">
@@ -4895,14 +4852,7 @@
                 <a:latin typeface="Comic Sans MS"/>
                 <a:cs typeface="Comic Sans MS"/>
               </a:rPr>
-              <a:t> </a:t>
-            </a:r>
-            <a:r>
-              <a:rPr lang="en-US" sz="1200" dirty="0" smtClean="0">
-                <a:latin typeface="Comic Sans MS"/>
-                <a:cs typeface="Comic Sans MS"/>
-              </a:rPr>
-              <a:t>12F.</a:t>
+              <a:t> 12F.</a:t>
             </a:r>
             <a:fld id="{93DA0692-DAF7-4AFE-9BE7-E02439D3694A}" type="slidenum">
               <a:rPr lang="en-US" sz="1200" smtClean="0">
@@ -5345,41 +5295,59 @@
               <a:t>∑ </a:t>
             </a:r>
             <a:r>
+              <a:rPr lang="en-US" sz="6000" i="0" dirty="0" err="1" smtClean="0">
+                <a:solidFill>
+                  <a:srgbClr val="0000FF"/>
+                </a:solidFill>
+                <a:latin typeface="Comic Sans MS" pitchFamily="66" charset="0"/>
+              </a:rPr>
+              <a:t>Pr</a:t>
+            </a:r>
+            <a:r>
+              <a:rPr lang="en-US" sz="6000" i="0" dirty="0" smtClean="0">
+                <a:solidFill>
+                  <a:srgbClr val="0000FF"/>
+                </a:solidFill>
+                <a:latin typeface="Comic Sans MS" pitchFamily="66" charset="0"/>
+              </a:rPr>
+              <a:t>[</a:t>
+            </a:r>
+            <a:r>
+              <a:rPr lang="en-US" sz="6000" i="0" dirty="0" err="1" smtClean="0">
+                <a:solidFill>
+                  <a:srgbClr val="0000FF"/>
+                </a:solidFill>
+                <a:latin typeface="Comic Sans MS" pitchFamily="66" charset="0"/>
+                <a:sym typeface="Symbol" pitchFamily="18" charset="2"/>
+              </a:rPr>
+              <a:t>R</a:t>
+            </a:r>
+            <a:r>
+              <a:rPr lang="en-US" sz="6000" i="0" baseline="-25000" dirty="0" err="1" smtClean="0">
+                <a:solidFill>
+                  <a:srgbClr val="0000FF"/>
+                </a:solidFill>
+                <a:latin typeface="Comic Sans MS" pitchFamily="66" charset="0"/>
+              </a:rPr>
+              <a:t>i</a:t>
+            </a:r>
+            <a:r>
               <a:rPr lang="en-US" sz="6000" i="0" dirty="0">
                 <a:solidFill>
                   <a:srgbClr val="0000FF"/>
                 </a:solidFill>
                 <a:latin typeface="Comic Sans MS" pitchFamily="66" charset="0"/>
               </a:rPr>
-              <a:t>Pr{</a:t>
-            </a:r>
-            <a:r>
-              <a:rPr lang="en-US" sz="6000" i="0" dirty="0" err="1">
-                <a:solidFill>
-                  <a:srgbClr val="0000FF"/>
-                </a:solidFill>
-                <a:latin typeface="Comic Sans MS" pitchFamily="66" charset="0"/>
-                <a:sym typeface="Symbol" pitchFamily="18" charset="2"/>
-              </a:rPr>
-              <a:t>R</a:t>
-            </a:r>
-            <a:r>
-              <a:rPr lang="en-US" sz="6000" i="0" baseline="-25000" dirty="0" err="1">
-                <a:solidFill>
-                  <a:srgbClr val="0000FF"/>
-                </a:solidFill>
-                <a:latin typeface="Comic Sans MS" pitchFamily="66" charset="0"/>
-              </a:rPr>
-              <a:t>i</a:t>
-            </a:r>
-            <a:r>
-              <a:rPr lang="en-US" sz="6000" i="0" dirty="0">
-                <a:solidFill>
-                  <a:srgbClr val="0000FF"/>
-                </a:solidFill>
-                <a:latin typeface="Comic Sans MS" pitchFamily="66" charset="0"/>
-              </a:rPr>
-              <a:t>=1} </a:t>
+              <a:t>=</a:t>
+            </a:r>
+            <a:r>
+              <a:rPr lang="en-US" sz="6000" i="0" dirty="0" smtClean="0">
+                <a:solidFill>
+                  <a:srgbClr val="0000FF"/>
+                </a:solidFill>
+                <a:latin typeface="Comic Sans MS" pitchFamily="66" charset="0"/>
+              </a:rPr>
+              <a:t>1] </a:t>
             </a:r>
             <a:r>
               <a:rPr lang="en-US" sz="6000" i="0" dirty="0">
@@ -5541,14 +5509,7 @@
                 <a:latin typeface="Comic Sans MS"/>
                 <a:cs typeface="Comic Sans MS"/>
               </a:rPr>
-              <a:t> </a:t>
-            </a:r>
-            <a:r>
-              <a:rPr lang="en-US" sz="1200" dirty="0" smtClean="0">
-                <a:latin typeface="Comic Sans MS"/>
-                <a:cs typeface="Comic Sans MS"/>
-              </a:rPr>
-              <a:t>12F.</a:t>
+              <a:t> 12F.</a:t>
             </a:r>
             <a:fld id="{93DA0692-DAF7-4AFE-9BE7-E02439D3694A}" type="slidenum">
               <a:rPr lang="en-US" sz="1200" smtClean="0">
@@ -6043,14 +6004,7 @@
                 <a:latin typeface="Comic Sans MS"/>
                 <a:cs typeface="Comic Sans MS"/>
               </a:rPr>
-              <a:t> </a:t>
-            </a:r>
-            <a:r>
-              <a:rPr lang="en-US" sz="1200" dirty="0" smtClean="0">
-                <a:latin typeface="Comic Sans MS"/>
-                <a:cs typeface="Comic Sans MS"/>
-              </a:rPr>
-              <a:t>12F.</a:t>
+              <a:t> 12F.</a:t>
             </a:r>
             <a:fld id="{93DA0692-DAF7-4AFE-9BE7-E02439D3694A}" type="slidenum">
               <a:rPr lang="en-US" sz="1200" smtClean="0">
@@ -6553,14 +6507,7 @@
                 <a:latin typeface="Comic Sans MS"/>
                 <a:cs typeface="Comic Sans MS"/>
               </a:rPr>
-              <a:t> </a:t>
-            </a:r>
-            <a:r>
-              <a:rPr lang="en-US" sz="1200" dirty="0" smtClean="0">
-                <a:latin typeface="Comic Sans MS"/>
-                <a:cs typeface="Comic Sans MS"/>
-              </a:rPr>
-              <a:t>12F.</a:t>
+              <a:t> 12F.</a:t>
             </a:r>
             <a:fld id="{93DA0692-DAF7-4AFE-9BE7-E02439D3694A}" type="slidenum">
               <a:rPr lang="en-US" sz="1200" smtClean="0">
@@ -6940,7 +6887,34 @@
                 </a:solidFill>
                 <a:latin typeface="Comic Sans MS" pitchFamily="66" charset="0"/>
               </a:rPr>
-              <a:t> Pr{X=x </a:t>
+              <a:t> </a:t>
+            </a:r>
+            <a:r>
+              <a:rPr lang="en-US" sz="4000" i="0" dirty="0" err="1" smtClean="0">
+                <a:solidFill>
+                  <a:srgbClr val="0000FF"/>
+                </a:solidFill>
+                <a:latin typeface="Comic Sans MS" pitchFamily="66" charset="0"/>
+              </a:rPr>
+              <a:t>Pr</a:t>
+            </a:r>
+            <a:r>
+              <a:rPr lang="en-US" sz="4000" i="0" dirty="0" smtClean="0">
+                <a:solidFill>
+                  <a:srgbClr val="0000FF"/>
+                </a:solidFill>
+                <a:latin typeface="Comic Sans MS" pitchFamily="66" charset="0"/>
+              </a:rPr>
+              <a:t>[X</a:t>
+            </a:r>
+            <a:r>
+              <a:rPr lang="en-US" sz="4000" i="0" dirty="0" smtClean="0">
+                <a:solidFill>
+                  <a:srgbClr val="0000FF"/>
+                </a:solidFill>
+                <a:latin typeface="Comic Sans MS" pitchFamily="66" charset="0"/>
+              </a:rPr>
+              <a:t>=x </a:t>
             </a:r>
             <a:r>
               <a:rPr lang="en-US" sz="2800" i="0" dirty="0" smtClean="0">
@@ -6958,7 +6932,16 @@
                 </a:solidFill>
                 <a:latin typeface="Comic Sans MS" pitchFamily="66" charset="0"/>
               </a:rPr>
-              <a:t> Y=y}</a:t>
+              <a:t> Y=</a:t>
+            </a:r>
+            <a:r>
+              <a:rPr lang="en-US" sz="4000" i="0" dirty="0" smtClean="0">
+                <a:solidFill>
+                  <a:srgbClr val="0000FF"/>
+                </a:solidFill>
+                <a:latin typeface="Comic Sans MS" pitchFamily="66" charset="0"/>
+              </a:rPr>
+              <a:t>y]</a:t>
             </a:r>
             <a:r>
               <a:rPr lang="en-US" sz="4000" i="0" dirty="0" smtClean="0">
@@ -7038,7 +7021,79 @@
                 </a:solidFill>
                 <a:latin typeface="Comic Sans MS" pitchFamily="66" charset="0"/>
               </a:rPr>
-              <a:t> Pr{X=x}Pr{Y=y}</a:t>
+              <a:t> </a:t>
+            </a:r>
+            <a:r>
+              <a:rPr lang="en-US" sz="4000" i="0" dirty="0" err="1" smtClean="0">
+                <a:solidFill>
+                  <a:srgbClr val="0000FF"/>
+                </a:solidFill>
+                <a:latin typeface="Comic Sans MS" pitchFamily="66" charset="0"/>
+              </a:rPr>
+              <a:t>Pr</a:t>
+            </a:r>
+            <a:r>
+              <a:rPr lang="en-US" sz="4000" i="0" dirty="0" smtClean="0">
+                <a:solidFill>
+                  <a:srgbClr val="0000FF"/>
+                </a:solidFill>
+                <a:latin typeface="Comic Sans MS" pitchFamily="66" charset="0"/>
+              </a:rPr>
+              <a:t>[X</a:t>
+            </a:r>
+            <a:r>
+              <a:rPr lang="en-US" sz="4000" i="0" dirty="0">
+                <a:solidFill>
+                  <a:srgbClr val="0000FF"/>
+                </a:solidFill>
+                <a:latin typeface="Comic Sans MS" pitchFamily="66" charset="0"/>
+              </a:rPr>
+              <a:t>=</a:t>
+            </a:r>
+            <a:r>
+              <a:rPr lang="en-US" sz="4000" i="0" dirty="0" smtClean="0">
+                <a:solidFill>
+                  <a:srgbClr val="0000FF"/>
+                </a:solidFill>
+                <a:latin typeface="Comic Sans MS" pitchFamily="66" charset="0"/>
+              </a:rPr>
+              <a:t>x]</a:t>
+            </a:r>
+            <a:r>
+              <a:rPr lang="en-US" sz="4000" i="0" dirty="0" err="1" smtClean="0">
+                <a:solidFill>
+                  <a:srgbClr val="0000FF"/>
+                </a:solidFill>
+                <a:latin typeface="Comic Sans MS" pitchFamily="66" charset="0"/>
+              </a:rPr>
+              <a:t>Pr</a:t>
+            </a:r>
+            <a:r>
+              <a:rPr lang="en-US" sz="4000" i="0" dirty="0" smtClean="0">
+                <a:solidFill>
+                  <a:srgbClr val="0000FF"/>
+                </a:solidFill>
+                <a:latin typeface="Comic Sans MS" pitchFamily="66" charset="0"/>
+              </a:rPr>
+              <a:t>[Y</a:t>
+            </a:r>
+            <a:r>
+              <a:rPr lang="en-US" sz="4000" i="0" dirty="0">
+                <a:solidFill>
+                  <a:srgbClr val="0000FF"/>
+                </a:solidFill>
+                <a:latin typeface="Comic Sans MS" pitchFamily="66" charset="0"/>
+              </a:rPr>
+              <a:t>=</a:t>
+            </a:r>
+            <a:r>
+              <a:rPr lang="en-US" sz="4000" i="0" dirty="0" smtClean="0">
+                <a:solidFill>
+                  <a:srgbClr val="0000FF"/>
+                </a:solidFill>
+                <a:latin typeface="Comic Sans MS" pitchFamily="66" charset="0"/>
+              </a:rPr>
+              <a:t>y]</a:t>
             </a:r>
             <a:endParaRPr lang="en-US" sz="4000" i="0" dirty="0">
               <a:solidFill>
@@ -7122,13 +7177,22 @@
               <a:t> </a:t>
             </a:r>
             <a:r>
+              <a:rPr lang="en-US" sz="4000" i="0" dirty="0" err="1" smtClean="0">
+                <a:solidFill>
+                  <a:srgbClr val="0000FF"/>
+                </a:solidFill>
+                <a:latin typeface="Comic Sans MS" pitchFamily="66" charset="0"/>
+              </a:rPr>
+              <a:t>Pr</a:t>
+            </a:r>
+            <a:r>
               <a:rPr lang="en-US" sz="4000" i="0" dirty="0" smtClean="0">
                 <a:solidFill>
                   <a:srgbClr val="0000FF"/>
                 </a:solidFill>
                 <a:latin typeface="Comic Sans MS" pitchFamily="66" charset="0"/>
               </a:rPr>
-              <a:t>Pr{</a:t>
+              <a:t>[</a:t>
             </a:r>
             <a:r>
               <a:rPr lang="en-US" sz="4000" i="0" dirty="0" smtClean="0">
@@ -7138,7 +7202,7 @@
                 <a:latin typeface="Comic Sans MS" pitchFamily="66" charset="0"/>
                 <a:sym typeface="Symbol" pitchFamily="18" charset="2"/>
               </a:rPr>
-              <a:t>X=x}</a:t>
+              <a:t>X</a:t>
             </a:r>
             <a:r>
               <a:rPr lang="en-US" sz="4000" i="0" dirty="0" smtClean="0">
@@ -7146,8 +7210,9 @@
                   <a:srgbClr val="0000FF"/>
                 </a:solidFill>
                 <a:latin typeface="Comic Sans MS" pitchFamily="66" charset="0"/>
-              </a:rPr>
-              <a:t>Pr{</a:t>
+                <a:sym typeface="Symbol" pitchFamily="18" charset="2"/>
+              </a:rPr>
+              <a:t>=</a:t>
             </a:r>
             <a:r>
               <a:rPr lang="en-US" sz="4000" i="0" dirty="0" smtClean="0">
@@ -7157,8 +7222,63 @@
                 <a:latin typeface="Comic Sans MS" pitchFamily="66" charset="0"/>
                 <a:sym typeface="Symbol" pitchFamily="18" charset="2"/>
               </a:rPr>
-              <a:t>Y=y}</a:t>
-            </a:r>
+              <a:t>x]</a:t>
+            </a:r>
+            <a:r>
+              <a:rPr lang="en-US" sz="4000" i="0" dirty="0" err="1" smtClean="0">
+                <a:solidFill>
+                  <a:srgbClr val="0000FF"/>
+                </a:solidFill>
+                <a:latin typeface="Comic Sans MS" pitchFamily="66" charset="0"/>
+              </a:rPr>
+              <a:t>Pr</a:t>
+            </a:r>
+            <a:r>
+              <a:rPr lang="en-US" sz="4000" i="0" dirty="0" smtClean="0">
+                <a:solidFill>
+                  <a:srgbClr val="0000FF"/>
+                </a:solidFill>
+                <a:latin typeface="Comic Sans MS" pitchFamily="66" charset="0"/>
+              </a:rPr>
+              <a:t>[</a:t>
+            </a:r>
+            <a:r>
+              <a:rPr lang="en-US" sz="4000" i="0" dirty="0" smtClean="0">
+                <a:solidFill>
+                  <a:srgbClr val="0000FF"/>
+                </a:solidFill>
+                <a:latin typeface="Comic Sans MS" pitchFamily="66" charset="0"/>
+                <a:sym typeface="Symbol" pitchFamily="18" charset="2"/>
+              </a:rPr>
+              <a:t>Y</a:t>
+            </a:r>
+            <a:r>
+              <a:rPr lang="en-US" sz="4000" i="0" dirty="0" smtClean="0">
+                <a:solidFill>
+                  <a:srgbClr val="0000FF"/>
+                </a:solidFill>
+                <a:latin typeface="Comic Sans MS" pitchFamily="66" charset="0"/>
+                <a:sym typeface="Symbol" pitchFamily="18" charset="2"/>
+              </a:rPr>
+              <a:t>=</a:t>
+            </a:r>
+            <a:r>
+              <a:rPr lang="en-US" sz="4000" i="0" dirty="0" smtClean="0">
+                <a:solidFill>
+                  <a:srgbClr val="0000FF"/>
+                </a:solidFill>
+                <a:latin typeface="Comic Sans MS" pitchFamily="66" charset="0"/>
+                <a:sym typeface="Symbol" pitchFamily="18" charset="2"/>
+              </a:rPr>
+              <a:t>y]</a:t>
+            </a:r>
+            <a:endParaRPr lang="en-US" sz="4000" i="0" dirty="0" smtClean="0">
+              <a:solidFill>
+                <a:srgbClr val="0000FF"/>
+              </a:solidFill>
+              <a:latin typeface="Comic Sans MS" pitchFamily="66" charset="0"/>
+              <a:sym typeface="Symbol" pitchFamily="18" charset="2"/>
+            </a:endParaRPr>
           </a:p>
           <a:p>
             <a:pPr>
@@ -7215,13 +7335,22 @@
               <a:t> </a:t>
             </a:r>
             <a:r>
+              <a:rPr lang="en-US" sz="4000" i="0" dirty="0" err="1" smtClean="0">
+                <a:solidFill>
+                  <a:srgbClr val="0000FF"/>
+                </a:solidFill>
+                <a:latin typeface="Comic Sans MS" pitchFamily="66" charset="0"/>
+              </a:rPr>
+              <a:t>Pr</a:t>
+            </a:r>
+            <a:r>
               <a:rPr lang="en-US" sz="4000" i="0" dirty="0" smtClean="0">
                 <a:solidFill>
                   <a:srgbClr val="0000FF"/>
                 </a:solidFill>
                 <a:latin typeface="Comic Sans MS" pitchFamily="66" charset="0"/>
               </a:rPr>
-              <a:t>Pr{</a:t>
+              <a:t>[</a:t>
             </a:r>
             <a:r>
               <a:rPr lang="en-US" sz="4000" i="0" dirty="0" smtClean="0">
@@ -7231,7 +7360,7 @@
                 <a:latin typeface="Comic Sans MS" pitchFamily="66" charset="0"/>
                 <a:sym typeface="Symbol" pitchFamily="18" charset="2"/>
               </a:rPr>
-              <a:t>Y=y} </a:t>
+              <a:t>Y</a:t>
             </a:r>
             <a:r>
               <a:rPr lang="en-US" sz="4000" i="0" dirty="0" smtClean="0">
@@ -7239,6 +7368,26 @@
                   <a:srgbClr val="0000FF"/>
                 </a:solidFill>
                 <a:latin typeface="Comic Sans MS" pitchFamily="66" charset="0"/>
+                <a:sym typeface="Symbol" pitchFamily="18" charset="2"/>
+              </a:rPr>
+              <a:t>=</a:t>
+            </a:r>
+            <a:r>
+              <a:rPr lang="en-US" sz="4000" i="0" dirty="0" smtClean="0">
+                <a:solidFill>
+                  <a:srgbClr val="0000FF"/>
+                </a:solidFill>
+                <a:latin typeface="Comic Sans MS" pitchFamily="66" charset="0"/>
+                <a:sym typeface="Symbol" pitchFamily="18" charset="2"/>
+              </a:rPr>
+              <a:t>y] </a:t>
+            </a:r>
+            <a:r>
+              <a:rPr lang="en-US" sz="4000" i="0" dirty="0" smtClean="0">
+                <a:solidFill>
+                  <a:srgbClr val="0000FF"/>
+                </a:solidFill>
+                <a:latin typeface="Comic Sans MS" pitchFamily="66" charset="0"/>
               </a:rPr>
               <a:t>∑</a:t>
             </a:r>
@@ -7259,6 +7408,16 @@
                 </a:solidFill>
                 <a:latin typeface="Comic Sans MS" pitchFamily="66" charset="0"/>
               </a:rPr>
+              <a:t> x</a:t>
+            </a:r>
+            <a:r>
+              <a:rPr lang="en-US" sz="4000" i="0" dirty="0" smtClean="0">
+                <a:solidFill>
+                  <a:srgbClr val="0000FF"/>
+                </a:solidFill>
+                <a:latin typeface="Comic Sans MS" pitchFamily="66" charset="0"/>
+                <a:sym typeface="Symbol" pitchFamily="18" charset="2"/>
+              </a:rPr>
               <a:t> </a:t>
             </a:r>
             <a:r>
@@ -7268,7 +7427,7 @@
                 </a:solidFill>
                 <a:latin typeface="Comic Sans MS" pitchFamily="66" charset="0"/>
               </a:rPr>
-              <a:t>x</a:t>
+              <a:t>Pr</a:t>
             </a:r>
             <a:r>
               <a:rPr lang="en-US" sz="4000" i="0" dirty="0" smtClean="0">
@@ -7276,9 +7435,8 @@
                   <a:srgbClr val="0000FF"/>
                 </a:solidFill>
                 <a:latin typeface="Comic Sans MS" pitchFamily="66" charset="0"/>
-                <a:sym typeface="Symbol" pitchFamily="18" charset="2"/>
-              </a:rPr>
-              <a:t> </a:t>
+              </a:rPr>
+              <a:t>[</a:t>
             </a:r>
             <a:r>
               <a:rPr lang="en-US" sz="4000" i="0" dirty="0" smtClean="0">
@@ -7286,8 +7444,9 @@
                   <a:srgbClr val="0000FF"/>
                 </a:solidFill>
                 <a:latin typeface="Comic Sans MS" pitchFamily="66" charset="0"/>
-              </a:rPr>
-              <a:t>Pr{</a:t>
+                <a:sym typeface="Symbol" pitchFamily="18" charset="2"/>
+              </a:rPr>
+              <a:t>X</a:t>
             </a:r>
             <a:r>
               <a:rPr lang="en-US" sz="4000" i="0" dirty="0" smtClean="0">
@@ -7297,8 +7456,25 @@
                 <a:latin typeface="Comic Sans MS" pitchFamily="66" charset="0"/>
                 <a:sym typeface="Symbol" pitchFamily="18" charset="2"/>
               </a:rPr>
-              <a:t>X=x})</a:t>
-            </a:r>
+              <a:t>=</a:t>
+            </a:r>
+            <a:r>
+              <a:rPr lang="en-US" sz="4000" i="0" dirty="0" smtClean="0">
+                <a:solidFill>
+                  <a:srgbClr val="0000FF"/>
+                </a:solidFill>
+                <a:latin typeface="Comic Sans MS" pitchFamily="66" charset="0"/>
+                <a:sym typeface="Symbol" pitchFamily="18" charset="2"/>
+              </a:rPr>
+              <a:t>x])</a:t>
+            </a:r>
+            <a:endParaRPr lang="en-US" sz="4000" i="0" dirty="0" smtClean="0">
+              <a:solidFill>
+                <a:srgbClr val="0000FF"/>
+              </a:solidFill>
+              <a:latin typeface="Comic Sans MS" pitchFamily="66" charset="0"/>
+              <a:sym typeface="Symbol" pitchFamily="18" charset="2"/>
+            </a:endParaRPr>
           </a:p>
           <a:p>
             <a:pPr>
@@ -7342,6 +7518,16 @@
                 </a:solidFill>
                 <a:latin typeface="Comic Sans MS" pitchFamily="66" charset="0"/>
               </a:rPr>
+              <a:t> x</a:t>
+            </a:r>
+            <a:r>
+              <a:rPr lang="en-US" sz="4000" i="0" dirty="0" smtClean="0">
+                <a:solidFill>
+                  <a:srgbClr val="0000FF"/>
+                </a:solidFill>
+                <a:latin typeface="Comic Sans MS" pitchFamily="66" charset="0"/>
+                <a:sym typeface="Symbol" pitchFamily="18" charset="2"/>
+              </a:rPr>
               <a:t> </a:t>
             </a:r>
             <a:r>
@@ -7351,7 +7537,7 @@
                 </a:solidFill>
                 <a:latin typeface="Comic Sans MS" pitchFamily="66" charset="0"/>
               </a:rPr>
-              <a:t>x</a:t>
+              <a:t>Pr</a:t>
             </a:r>
             <a:r>
               <a:rPr lang="en-US" sz="4000" i="0" dirty="0" smtClean="0">
@@ -7359,18 +7545,104 @@
                   <a:srgbClr val="0000FF"/>
                 </a:solidFill>
                 <a:latin typeface="Comic Sans MS" pitchFamily="66" charset="0"/>
+              </a:rPr>
+              <a:t>[</a:t>
+            </a:r>
+            <a:r>
+              <a:rPr lang="en-US" sz="4000" i="0" dirty="0" smtClean="0">
+                <a:solidFill>
+                  <a:srgbClr val="0000FF"/>
+                </a:solidFill>
+                <a:latin typeface="Comic Sans MS" pitchFamily="66" charset="0"/>
+                <a:sym typeface="Symbol" pitchFamily="18" charset="2"/>
+              </a:rPr>
+              <a:t>X</a:t>
+            </a:r>
+            <a:r>
+              <a:rPr lang="en-US" sz="4000" i="0" dirty="0" smtClean="0">
+                <a:solidFill>
+                  <a:srgbClr val="0000FF"/>
+                </a:solidFill>
+                <a:latin typeface="Comic Sans MS" pitchFamily="66" charset="0"/>
+                <a:sym typeface="Symbol" pitchFamily="18" charset="2"/>
+              </a:rPr>
+              <a:t>=</a:t>
+            </a:r>
+            <a:r>
+              <a:rPr lang="en-US" sz="4000" i="0" dirty="0" smtClean="0">
+                <a:solidFill>
+                  <a:srgbClr val="0000FF"/>
+                </a:solidFill>
+                <a:latin typeface="Comic Sans MS" pitchFamily="66" charset="0"/>
+                <a:sym typeface="Symbol" pitchFamily="18" charset="2"/>
+              </a:rPr>
+              <a:t>x])</a:t>
+            </a:r>
+            <a:r>
+              <a:rPr lang="en-US" sz="4000" i="0" dirty="0" smtClean="0">
+                <a:solidFill>
+                  <a:srgbClr val="0000FF"/>
+                </a:solidFill>
+                <a:latin typeface="Comic Sans MS" pitchFamily="66" charset="0"/>
+                <a:sym typeface="Symbol" pitchFamily="18" charset="2"/>
+              </a:rPr>
+              <a:t>(</a:t>
+            </a:r>
+            <a:r>
+              <a:rPr lang="en-US" sz="4000" i="0" dirty="0" smtClean="0">
+                <a:solidFill>
+                  <a:srgbClr val="0000FF"/>
+                </a:solidFill>
+                <a:latin typeface="Comic Sans MS" pitchFamily="66" charset="0"/>
+              </a:rPr>
+              <a:t>∑</a:t>
+            </a:r>
+            <a:r>
+              <a:rPr lang="en-US" sz="4000" i="0" baseline="-25000" dirty="0" smtClean="0">
+                <a:solidFill>
+                  <a:srgbClr val="0000FF"/>
+                </a:solidFill>
+                <a:latin typeface="Comic Sans MS" pitchFamily="66" charset="0"/>
+                <a:sym typeface="Symbol" pitchFamily="18" charset="2"/>
+              </a:rPr>
+              <a:t>y</a:t>
+            </a:r>
+            <a:r>
+              <a:rPr lang="en-US" sz="4000" i="0" dirty="0" smtClean="0">
+                <a:solidFill>
+                  <a:srgbClr val="0000FF"/>
+                </a:solidFill>
+                <a:latin typeface="Comic Sans MS" pitchFamily="66" charset="0"/>
+              </a:rPr>
+              <a:t> y</a:t>
+            </a:r>
+            <a:r>
+              <a:rPr lang="en-US" sz="4000" i="0" dirty="0" smtClean="0">
+                <a:solidFill>
+                  <a:srgbClr val="0000FF"/>
+                </a:solidFill>
+                <a:latin typeface="Comic Sans MS" pitchFamily="66" charset="0"/>
                 <a:sym typeface="Symbol" pitchFamily="18" charset="2"/>
               </a:rPr>
               <a:t> </a:t>
             </a:r>
             <a:r>
+              <a:rPr lang="en-US" sz="4000" i="0" dirty="0" err="1" smtClean="0">
+                <a:solidFill>
+                  <a:srgbClr val="0000FF"/>
+                </a:solidFill>
+                <a:latin typeface="Comic Sans MS" pitchFamily="66" charset="0"/>
+              </a:rPr>
+              <a:t>Pr</a:t>
+            </a:r>
+            <a:r>
               <a:rPr lang="en-US" sz="4000" i="0" dirty="0" smtClean="0">
                 <a:solidFill>
                   <a:srgbClr val="0000FF"/>
                 </a:solidFill>
                 <a:latin typeface="Comic Sans MS" pitchFamily="66" charset="0"/>
               </a:rPr>
-              <a:t>Pr{</a:t>
+              <a:t>[</a:t>
             </a:r>
             <a:r>
               <a:rPr lang="en-US" sz="4000" i="0" dirty="0" smtClean="0">
@@ -7380,7 +7652,7 @@
                 <a:latin typeface="Comic Sans MS" pitchFamily="66" charset="0"/>
                 <a:sym typeface="Symbol" pitchFamily="18" charset="2"/>
               </a:rPr>
-              <a:t>X=x})(</a:t>
+              <a:t>Y</a:t>
             </a:r>
             <a:r>
               <a:rPr lang="en-US" sz="4000" i="0" dirty="0" smtClean="0">
@@ -7388,18 +7660,9 @@
                   <a:srgbClr val="0000FF"/>
                 </a:solidFill>
                 <a:latin typeface="Comic Sans MS" pitchFamily="66" charset="0"/>
-              </a:rPr>
-              <a:t>∑</a:t>
-            </a:r>
-            <a:r>
-              <a:rPr lang="en-US" sz="4000" i="0" baseline="-25000" dirty="0" smtClean="0">
-                <a:solidFill>
-                  <a:srgbClr val="0000FF"/>
-                </a:solidFill>
-                <a:latin typeface="Comic Sans MS" pitchFamily="66" charset="0"/>
-                <a:sym typeface="Symbol" pitchFamily="18" charset="2"/>
-              </a:rPr>
-              <a:t>y</a:t>
+                <a:sym typeface="Symbol" pitchFamily="18" charset="2"/>
+              </a:rPr>
+              <a:t>=</a:t>
             </a:r>
             <a:r>
               <a:rPr lang="en-US" sz="4000" i="0" dirty="0" smtClean="0">
@@ -7407,47 +7670,17 @@
                   <a:srgbClr val="0000FF"/>
                 </a:solidFill>
                 <a:latin typeface="Comic Sans MS" pitchFamily="66" charset="0"/>
-              </a:rPr>
-              <a:t> </a:t>
-            </a:r>
-            <a:r>
-              <a:rPr lang="en-US" sz="4000" i="0" dirty="0" err="1" smtClean="0">
-                <a:solidFill>
-                  <a:srgbClr val="0000FF"/>
-                </a:solidFill>
-                <a:latin typeface="Comic Sans MS" pitchFamily="66" charset="0"/>
-              </a:rPr>
-              <a:t>y</a:t>
-            </a:r>
-            <a:r>
-              <a:rPr lang="en-US" sz="4000" i="0" dirty="0" smtClean="0">
-                <a:solidFill>
-                  <a:srgbClr val="0000FF"/>
-                </a:solidFill>
-                <a:latin typeface="Comic Sans MS" pitchFamily="66" charset="0"/>
-                <a:sym typeface="Symbol" pitchFamily="18" charset="2"/>
-              </a:rPr>
-              <a:t> </a:t>
-            </a:r>
-            <a:r>
-              <a:rPr lang="en-US" sz="4000" i="0" dirty="0" smtClean="0">
-                <a:solidFill>
-                  <a:srgbClr val="0000FF"/>
-                </a:solidFill>
-                <a:latin typeface="Comic Sans MS" pitchFamily="66" charset="0"/>
-              </a:rPr>
-              <a:t>Pr{</a:t>
-            </a:r>
-            <a:r>
-              <a:rPr lang="en-US" sz="4000" i="0" dirty="0" smtClean="0">
-                <a:solidFill>
-                  <a:srgbClr val="0000FF"/>
-                </a:solidFill>
-                <a:latin typeface="Comic Sans MS" pitchFamily="66" charset="0"/>
-                <a:sym typeface="Symbol" pitchFamily="18" charset="2"/>
-              </a:rPr>
-              <a:t>Y=y})</a:t>
-            </a:r>
+                <a:sym typeface="Symbol" pitchFamily="18" charset="2"/>
+              </a:rPr>
+              <a:t>y])</a:t>
+            </a:r>
+            <a:endParaRPr lang="en-US" sz="4000" i="0" dirty="0" smtClean="0">
+              <a:solidFill>
+                <a:srgbClr val="0000FF"/>
+              </a:solidFill>
+              <a:latin typeface="Comic Sans MS" pitchFamily="66" charset="0"/>
+              <a:sym typeface="Symbol" pitchFamily="18" charset="2"/>
+            </a:endParaRPr>
           </a:p>
           <a:p>
             <a:pPr>
@@ -7654,14 +7887,7 @@
                 <a:latin typeface="Comic Sans MS"/>
                 <a:cs typeface="Comic Sans MS"/>
               </a:rPr>
-              <a:t> </a:t>
-            </a:r>
-            <a:r>
-              <a:rPr lang="en-US" sz="1200" dirty="0" smtClean="0">
-                <a:latin typeface="Comic Sans MS"/>
-                <a:cs typeface="Comic Sans MS"/>
-              </a:rPr>
-              <a:t>12F.</a:t>
+              <a:t> 12F.</a:t>
             </a:r>
             <a:fld id="{93DA0692-DAF7-4AFE-9BE7-E02439D3694A}" type="slidenum">
               <a:rPr lang="en-US" sz="1200" smtClean="0">
@@ -8240,11 +8466,7 @@
             </a:r>
             <a:r>
               <a:rPr lang="en-US" dirty="0" smtClean="0"/>
-              <a:t> </a:t>
-            </a:r>
-            <a:r>
-              <a:rPr lang="en-US" dirty="0" smtClean="0"/>
-              <a:t>12F.</a:t>
+              <a:t> 12F.</a:t>
             </a:r>
             <a:fld id="{93DA0692-DAF7-4AFE-9BE7-E02439D3694A}" type="slidenum">
               <a:rPr lang="en-US" smtClean="0"/>
@@ -8651,14 +8873,7 @@
                 <a:latin typeface="Comic Sans MS"/>
                 <a:cs typeface="Comic Sans MS"/>
               </a:rPr>
-              <a:t> </a:t>
-            </a:r>
-            <a:r>
-              <a:rPr lang="en-US" sz="1200" dirty="0" smtClean="0">
-                <a:latin typeface="Comic Sans MS"/>
-                <a:cs typeface="Comic Sans MS"/>
-              </a:rPr>
-              <a:t>12F.</a:t>
+              <a:t> 12F.</a:t>
             </a:r>
             <a:fld id="{93DA0692-DAF7-4AFE-9BE7-E02439D3694A}" type="slidenum">
               <a:rPr lang="en-US" sz="1200" smtClean="0">
@@ -9249,7 +9464,7 @@
                 </a:solidFill>
                 <a:latin typeface="Comic Sans MS" pitchFamily="66" charset="0"/>
               </a:rPr>
-              <a:t>{</a:t>
+              <a:t>[</a:t>
             </a:r>
             <a:r>
               <a:rPr lang="en-US" sz="5400" b="1" i="0" dirty="0" err="1" smtClean="0">
@@ -9269,7 +9484,7 @@
                 <a:latin typeface="Comic Sans MS" pitchFamily="66" charset="0"/>
                 <a:sym typeface="Symbol" pitchFamily="18" charset="2"/>
               </a:rPr>
-              <a:t>} </a:t>
+              <a:t>] </a:t>
             </a:r>
             <a:r>
               <a:rPr lang="en-US" sz="5400" i="0" dirty="0" smtClean="0">
@@ -9448,7 +9663,7 @@
                 </a:solidFill>
                 <a:latin typeface="Comic Sans MS" pitchFamily="66" charset="0"/>
               </a:rPr>
-              <a:t>{</a:t>
+              <a:t>[</a:t>
             </a:r>
             <a:r>
               <a:rPr lang="en-US" sz="5400" b="1" i="0" dirty="0" err="1" smtClean="0">
@@ -9468,14 +9683,21 @@
                 <a:latin typeface="Comic Sans MS" pitchFamily="66" charset="0"/>
                 <a:sym typeface="Symbol" pitchFamily="18" charset="2"/>
               </a:rPr>
-              <a:t>}</a:t>
+              <a:t>]</a:t>
             </a:r>
             <a:r>
               <a:rPr lang="en-US" sz="5400" i="0" dirty="0" smtClean="0">
                 <a:latin typeface="Comic Sans MS" pitchFamily="66" charset="0"/>
                 <a:sym typeface="Symbol" pitchFamily="18" charset="2"/>
               </a:rPr>
-              <a:t> =</a:t>
+              <a:t> </a:t>
+            </a:r>
+            <a:r>
+              <a:rPr lang="en-US" sz="5400" i="0" dirty="0" smtClean="0">
+                <a:latin typeface="Comic Sans MS" pitchFamily="66" charset="0"/>
+                <a:sym typeface="Symbol" pitchFamily="18" charset="2"/>
+              </a:rPr>
+              <a:t>=</a:t>
             </a:r>
             <a:endParaRPr lang="en-US" sz="5400" i="0" dirty="0">
               <a:latin typeface="Comic Sans MS" pitchFamily="66" charset="0"/>
@@ -9490,7 +9712,7 @@
               <a:defRPr/>
             </a:pPr>
             <a:r>
-              <a:rPr lang="en-US" sz="4400" i="0" dirty="0" err="1" smtClean="0">
+              <a:rPr lang="en-US" sz="4400" i="0" dirty="0" smtClean="0">
                 <a:solidFill>
                   <a:srgbClr val="0000FF"/>
                 </a:solidFill>
@@ -9500,7 +9722,7 @@
               <a:t>a(</a:t>
             </a:r>
             <a:r>
-              <a:rPr lang="en-US" sz="4400" i="0" dirty="0" err="1" smtClean="0">
+              <a:rPr lang="en-US" sz="4400" i="0" dirty="0" smtClean="0">
                 <a:solidFill>
                   <a:srgbClr val="0000FF"/>
                 </a:solidFill>
@@ -9525,7 +9747,16 @@
                 </a:solidFill>
                 <a:latin typeface="Comic Sans MS" pitchFamily="66" charset="0"/>
               </a:rPr>
-              <a:t>A(</a:t>
+              <a:t>A</a:t>
+            </a:r>
+            <a:r>
+              <a:rPr lang="en-US" sz="4400" i="0" dirty="0" smtClean="0">
+                <a:solidFill>
+                  <a:srgbClr val="0000FF"/>
+                </a:solidFill>
+                <a:latin typeface="Comic Sans MS" pitchFamily="66" charset="0"/>
+              </a:rPr>
+              <a:t>(</a:t>
             </a:r>
             <a:r>
               <a:rPr lang="en-US" sz="4400" b="1" i="0" dirty="0" err="1" smtClean="0">
@@ -9538,7 +9769,7 @@
               <a:t>ω</a:t>
             </a:r>
             <a:r>
-              <a:rPr lang="en-US" sz="4400" i="0" dirty="0" err="1" smtClean="0">
+              <a:rPr lang="en-US" sz="4400" i="0" dirty="0" smtClean="0">
                 <a:solidFill>
                   <a:srgbClr val="0000FF"/>
                 </a:solidFill>
@@ -9548,7 +9779,7 @@
               <a:t>)</a:t>
             </a:r>
             <a:r>
-              <a:rPr lang="en-US" sz="4400" i="0" dirty="0" err="1" smtClean="0">
+              <a:rPr lang="en-US" sz="4400" i="0" dirty="0" smtClean="0">
                 <a:latin typeface="Euclid Symbol" charset="2"/>
                 <a:cs typeface="Euclid Symbol" charset="2"/>
                 <a:sym typeface="Symbol" pitchFamily="18" charset="2"/>
@@ -9562,7 +9793,16 @@
                 </a:solidFill>
                 <a:latin typeface="Comic Sans MS" pitchFamily="66" charset="0"/>
               </a:rPr>
-              <a:t>Pr{</a:t>
+              <a:t>Pr</a:t>
+            </a:r>
+            <a:r>
+              <a:rPr lang="en-US" sz="4400" i="0" dirty="0" smtClean="0">
+                <a:solidFill>
+                  <a:srgbClr val="0000FF"/>
+                </a:solidFill>
+                <a:latin typeface="Comic Sans MS" pitchFamily="66" charset="0"/>
+              </a:rPr>
+              <a:t>[</a:t>
             </a:r>
             <a:r>
               <a:rPr lang="en-US" sz="4400" b="1" i="0" dirty="0" err="1" smtClean="0">
@@ -9575,17 +9815,27 @@
               <a:t>ω</a:t>
             </a:r>
             <a:r>
-              <a:rPr lang="en-US" sz="4400" i="0" dirty="0" err="1" smtClean="0">
-                <a:solidFill>
-                  <a:srgbClr val="0000FF"/>
-                </a:solidFill>
-                <a:latin typeface="Comic Sans MS" pitchFamily="66" charset="0"/>
-                <a:sym typeface="Symbol" pitchFamily="18" charset="2"/>
-              </a:rPr>
-              <a:t>})+b(</a:t>
-            </a:r>
-            <a:r>
-              <a:rPr lang="en-US" sz="4400" i="0" dirty="0" err="1" smtClean="0">
+              <a:rPr lang="en-US" sz="4400" i="0" dirty="0" smtClean="0">
+                <a:solidFill>
+                  <a:srgbClr val="0000FF"/>
+                </a:solidFill>
+                <a:latin typeface="Comic Sans MS" pitchFamily="66" charset="0"/>
+                <a:sym typeface="Symbol" pitchFamily="18" charset="2"/>
+              </a:rPr>
+              <a:t>])</a:t>
+            </a:r>
+            <a:r>
+              <a:rPr lang="en-US" sz="4400" i="0" dirty="0" smtClean="0">
+                <a:solidFill>
+                  <a:srgbClr val="0000FF"/>
+                </a:solidFill>
+                <a:latin typeface="Comic Sans MS" pitchFamily="66" charset="0"/>
+                <a:sym typeface="Symbol" pitchFamily="18" charset="2"/>
+              </a:rPr>
+              <a:t>+b(</a:t>
+            </a:r>
+            <a:r>
+              <a:rPr lang="en-US" sz="4400" i="0" dirty="0" smtClean="0">
                 <a:solidFill>
                   <a:srgbClr val="0000FF"/>
                 </a:solidFill>
@@ -9611,7 +9861,17 @@
                 <a:latin typeface="Comic Sans MS" pitchFamily="66" charset="0"/>
                 <a:sym typeface="Symbol" pitchFamily="18" charset="2"/>
               </a:rPr>
-              <a:t>B(</a:t>
+              <a:t>B</a:t>
+            </a:r>
+            <a:r>
+              <a:rPr lang="en-US" sz="4400" i="0" dirty="0" smtClean="0">
+                <a:solidFill>
+                  <a:srgbClr val="0000FF"/>
+                </a:solidFill>
+                <a:latin typeface="Comic Sans MS" pitchFamily="66" charset="0"/>
+                <a:sym typeface="Symbol" pitchFamily="18" charset="2"/>
+              </a:rPr>
+              <a:t>(</a:t>
             </a:r>
             <a:r>
               <a:rPr lang="en-US" sz="4400" b="1" i="0" dirty="0" err="1" smtClean="0">
@@ -9624,7 +9884,7 @@
               <a:t>ω</a:t>
             </a:r>
             <a:r>
-              <a:rPr lang="en-US" sz="4400" i="0" dirty="0" err="1" smtClean="0">
+              <a:rPr lang="en-US" sz="4400" i="0" dirty="0" smtClean="0">
                 <a:solidFill>
                   <a:srgbClr val="0000FF"/>
                 </a:solidFill>
@@ -9633,7 +9893,7 @@
               <a:t>)</a:t>
             </a:r>
             <a:r>
-              <a:rPr lang="en-US" sz="4400" i="0" dirty="0" err="1" smtClean="0">
+              <a:rPr lang="en-US" sz="4400" i="0" dirty="0" smtClean="0">
                 <a:latin typeface="Euclid Symbol" charset="2"/>
                 <a:cs typeface="Euclid Symbol" charset="2"/>
                 <a:sym typeface="Symbol" pitchFamily="18" charset="2"/>
@@ -9647,7 +9907,16 @@
                 </a:solidFill>
                 <a:latin typeface="Comic Sans MS" pitchFamily="66" charset="0"/>
               </a:rPr>
-              <a:t>Pr{</a:t>
+              <a:t>Pr</a:t>
+            </a:r>
+            <a:r>
+              <a:rPr lang="en-US" sz="4400" i="0" dirty="0" smtClean="0">
+                <a:solidFill>
+                  <a:srgbClr val="0000FF"/>
+                </a:solidFill>
+                <a:latin typeface="Comic Sans MS" pitchFamily="66" charset="0"/>
+              </a:rPr>
+              <a:t>[</a:t>
             </a:r>
             <a:r>
               <a:rPr lang="en-US" sz="4400" b="1" i="0" dirty="0" err="1" smtClean="0">
@@ -9667,7 +9936,7 @@
                 <a:latin typeface="Comic Sans MS" pitchFamily="66" charset="0"/>
                 <a:sym typeface="Symbol" pitchFamily="18" charset="2"/>
               </a:rPr>
-              <a:t>})</a:t>
+              <a:t>])</a:t>
             </a:r>
             <a:endParaRPr lang="en-US" sz="4400" i="0" dirty="0">
               <a:latin typeface="Comic Sans MS" pitchFamily="66" charset="0"/>
@@ -9797,14 +10066,7 @@
                 <a:latin typeface="Comic Sans MS"/>
                 <a:cs typeface="Comic Sans MS"/>
               </a:rPr>
-              <a:t> </a:t>
-            </a:r>
-            <a:r>
-              <a:rPr lang="en-US" sz="1200" dirty="0" smtClean="0">
-                <a:latin typeface="Comic Sans MS"/>
-                <a:cs typeface="Comic Sans MS"/>
-              </a:rPr>
-              <a:t>12F.</a:t>
+              <a:t> 12F.</a:t>
             </a:r>
             <a:fld id="{93DA0692-DAF7-4AFE-9BE7-E02439D3694A}" type="slidenum">
               <a:rPr lang="en-US" sz="1200" smtClean="0">
@@ -10141,7 +10403,7 @@
           <a:graphicData uri="http://schemas.openxmlformats.org/presentationml/2006/ole">
             <mc:AlternateContent xmlns:mc="http://schemas.openxmlformats.org/markup-compatibility/2006">
               <mc:Choice xmlns:v="urn:schemas-microsoft-com:vml" Requires="v">
-                <p:oleObj spid="_x0000_s239659" name="Equation" r:id="rId4" imgW="1701800" imgH="304800" progId="Equation.DSMT4">
+                <p:oleObj spid="_x0000_s239662" name="Equation" r:id="rId4" imgW="1701800" imgH="304800" progId="Equation.DSMT4">
                   <p:embed/>
                 </p:oleObj>
               </mc:Choice>
@@ -10364,14 +10626,7 @@
                 <a:latin typeface="Comic Sans MS"/>
                 <a:cs typeface="Comic Sans MS"/>
               </a:rPr>
-              <a:t> </a:t>
-            </a:r>
-            <a:r>
-              <a:rPr lang="en-US" sz="1200" dirty="0" smtClean="0">
-                <a:latin typeface="Comic Sans MS"/>
-                <a:cs typeface="Comic Sans MS"/>
-              </a:rPr>
-              <a:t>12F.</a:t>
+              <a:t> 12F.</a:t>
             </a:r>
             <a:fld id="{93DA0692-DAF7-4AFE-9BE7-E02439D3694A}" type="slidenum">
               <a:rPr lang="en-US" sz="1200" smtClean="0">
@@ -10627,7 +10882,7 @@
           <a:graphicData uri="http://schemas.openxmlformats.org/presentationml/2006/ole">
             <mc:AlternateContent xmlns:mc="http://schemas.openxmlformats.org/markup-compatibility/2006">
               <mc:Choice xmlns:v="urn:schemas-microsoft-com:vml" Requires="v">
-                <p:oleObj spid="_x0000_s241741" name="Equation" r:id="rId4" imgW="2159000" imgH="330200" progId="Equation.DSMT4">
+                <p:oleObj spid="_x0000_s241746" name="Equation" r:id="rId4" imgW="2159000" imgH="330200" progId="Equation.DSMT4">
                   <p:embed/>
                 </p:oleObj>
               </mc:Choice>
@@ -10729,7 +10984,7 @@
           <a:graphicData uri="http://schemas.openxmlformats.org/presentationml/2006/ole">
             <mc:AlternateContent xmlns:mc="http://schemas.openxmlformats.org/markup-compatibility/2006">
               <mc:Choice xmlns:v="urn:schemas-microsoft-com:vml" Requires="v">
-                <p:oleObj spid="_x0000_s241742" name="Equation" r:id="rId6" imgW="1968500" imgH="635000" progId="Equation.DSMT4">
+                <p:oleObj spid="_x0000_s241747" name="Equation" r:id="rId6" imgW="1968500" imgH="635000" progId="Equation.DSMT4">
                   <p:embed/>
                 </p:oleObj>
               </mc:Choice>
@@ -10987,14 +11242,7 @@
                 <a:latin typeface="Comic Sans MS"/>
                 <a:cs typeface="Comic Sans MS"/>
               </a:rPr>
-              <a:t> </a:t>
-            </a:r>
-            <a:r>
-              <a:rPr lang="en-US" sz="1200" dirty="0" smtClean="0">
-                <a:latin typeface="Comic Sans MS"/>
-                <a:cs typeface="Comic Sans MS"/>
-              </a:rPr>
-              <a:t>12F.</a:t>
+              <a:t> 12F.</a:t>
             </a:r>
             <a:fld id="{93DA0692-DAF7-4AFE-9BE7-E02439D3694A}" type="slidenum">
               <a:rPr lang="en-US" sz="1200" smtClean="0">
@@ -11565,14 +11813,7 @@
                 <a:latin typeface="Comic Sans MS"/>
                 <a:cs typeface="Comic Sans MS"/>
               </a:rPr>
-              <a:t> </a:t>
-            </a:r>
-            <a:r>
-              <a:rPr lang="en-US" sz="1200" dirty="0" smtClean="0">
-                <a:latin typeface="Comic Sans MS"/>
-                <a:cs typeface="Comic Sans MS"/>
-              </a:rPr>
-              <a:t>12F.</a:t>
+              <a:t> 12F.</a:t>
             </a:r>
             <a:fld id="{93DA0692-DAF7-4AFE-9BE7-E02439D3694A}" type="slidenum">
               <a:rPr lang="en-US" sz="1200" smtClean="0">
@@ -12162,14 +12403,7 @@
                 <a:latin typeface="Comic Sans MS"/>
                 <a:cs typeface="Comic Sans MS"/>
               </a:rPr>
-              <a:t> </a:t>
-            </a:r>
-            <a:r>
-              <a:rPr lang="en-US" sz="1200" dirty="0" smtClean="0">
-                <a:latin typeface="Comic Sans MS"/>
-                <a:cs typeface="Comic Sans MS"/>
-              </a:rPr>
-              <a:t>12F.</a:t>
+              <a:t> 12F.</a:t>
             </a:r>
             <a:fld id="{93DA0692-DAF7-4AFE-9BE7-E02439D3694A}" type="slidenum">
               <a:rPr lang="en-US" sz="1200" smtClean="0">
@@ -12600,14 +12834,7 @@
                 <a:latin typeface="Comic Sans MS"/>
                 <a:cs typeface="Comic Sans MS"/>
               </a:rPr>
-              <a:t> </a:t>
-            </a:r>
-            <a:r>
-              <a:rPr lang="en-US" sz="1200" dirty="0" smtClean="0">
-                <a:latin typeface="Comic Sans MS"/>
-                <a:cs typeface="Comic Sans MS"/>
-              </a:rPr>
-              <a:t>12F.</a:t>
+              <a:t> 12F.</a:t>
             </a:r>
             <a:fld id="{93DA0692-DAF7-4AFE-9BE7-E02439D3694A}" type="slidenum">
               <a:rPr lang="en-US" sz="1200" smtClean="0">
@@ -12663,7 +12890,7 @@
         <p:spPr>
           <a:xfrm>
             <a:off x="152400" y="3352800"/>
-            <a:ext cx="11985974" cy="3693319"/>
+            <a:ext cx="8097364" cy="3693318"/>
           </a:xfrm>
           <a:prstGeom prst="rect">
             <a:avLst/>
@@ -12787,10 +13014,28 @@
                 </a:solidFill>
                 <a:latin typeface="Comic Sans MS" pitchFamily="66" charset="0"/>
               </a:rPr>
-              <a:t> Pr{</a:t>
-            </a:r>
-            <a:r>
-              <a:rPr lang="en-US" sz="6000" i="0" dirty="0" err="1">
+              <a:t> </a:t>
+            </a:r>
+            <a:r>
+              <a:rPr lang="en-US" sz="6000" i="0" dirty="0" err="1" smtClean="0">
+                <a:solidFill>
+                  <a:srgbClr val="0000FF"/>
+                </a:solidFill>
+                <a:latin typeface="Comic Sans MS" pitchFamily="66" charset="0"/>
+              </a:rPr>
+              <a:t>Pr</a:t>
+            </a:r>
+            <a:r>
+              <a:rPr lang="en-US" sz="6000" i="0" dirty="0" smtClean="0">
+                <a:solidFill>
+                  <a:srgbClr val="0000FF"/>
+                </a:solidFill>
+                <a:latin typeface="Comic Sans MS" pitchFamily="66" charset="0"/>
+              </a:rPr>
+              <a:t>[</a:t>
+            </a:r>
+            <a:r>
+              <a:rPr lang="en-US" sz="6000" i="0" dirty="0" err="1" smtClean="0">
                 <a:solidFill>
                   <a:srgbClr val="0000FF"/>
                 </a:solidFill>
@@ -12800,7 +13045,7 @@
               <a:t>R</a:t>
             </a:r>
             <a:r>
-              <a:rPr lang="en-US" sz="6000" i="0" baseline="-25000" dirty="0" err="1">
+              <a:rPr lang="en-US" sz="6000" i="0" baseline="-25000" dirty="0" err="1" smtClean="0">
                 <a:solidFill>
                   <a:srgbClr val="0000FF"/>
                 </a:solidFill>
@@ -12815,7 +13060,16 @@
                 </a:solidFill>
                 <a:latin typeface="Comic Sans MS" pitchFamily="66" charset="0"/>
               </a:rPr>
-              <a:t>=1} </a:t>
+              <a:t>=</a:t>
+            </a:r>
+            <a:r>
+              <a:rPr lang="en-US" sz="6000" i="0" dirty="0" smtClean="0">
+                <a:solidFill>
+                  <a:srgbClr val="0000FF"/>
+                </a:solidFill>
+                <a:latin typeface="Comic Sans MS" pitchFamily="66" charset="0"/>
+              </a:rPr>
+              <a:t>1] </a:t>
             </a:r>
             <a:r>
               <a:rPr lang="en-US" sz="6000" i="0" dirty="0">
